--- a/mbp/prac2/СамойловПР2.pptx
+++ b/mbp/prac2/СамойловПР2.pptx
@@ -265,7 +265,7 @@
           <a:p>
             <a:fld id="{5B8C000A-CDAE-4206-8669-F9120892CD3A}" type="datetimeFigureOut">
               <a:rPr lang="ru-RU" smtClean="0"/>
-              <a:t>10.09.2024</a:t>
+              <a:t>15.09.2024</a:t>
             </a:fld>
             <a:endParaRPr lang="ru-RU"/>
           </a:p>
@@ -465,7 +465,7 @@
           <a:p>
             <a:fld id="{5B8C000A-CDAE-4206-8669-F9120892CD3A}" type="datetimeFigureOut">
               <a:rPr lang="ru-RU" smtClean="0"/>
-              <a:t>10.09.2024</a:t>
+              <a:t>15.09.2024</a:t>
             </a:fld>
             <a:endParaRPr lang="ru-RU"/>
           </a:p>
@@ -675,7 +675,7 @@
           <a:p>
             <a:fld id="{5B8C000A-CDAE-4206-8669-F9120892CD3A}" type="datetimeFigureOut">
               <a:rPr lang="ru-RU" smtClean="0"/>
-              <a:t>10.09.2024</a:t>
+              <a:t>15.09.2024</a:t>
             </a:fld>
             <a:endParaRPr lang="ru-RU"/>
           </a:p>
@@ -875,7 +875,7 @@
           <a:p>
             <a:fld id="{5B8C000A-CDAE-4206-8669-F9120892CD3A}" type="datetimeFigureOut">
               <a:rPr lang="ru-RU" smtClean="0"/>
-              <a:t>10.09.2024</a:t>
+              <a:t>15.09.2024</a:t>
             </a:fld>
             <a:endParaRPr lang="ru-RU"/>
           </a:p>
@@ -1151,7 +1151,7 @@
           <a:p>
             <a:fld id="{5B8C000A-CDAE-4206-8669-F9120892CD3A}" type="datetimeFigureOut">
               <a:rPr lang="ru-RU" smtClean="0"/>
-              <a:t>10.09.2024</a:t>
+              <a:t>15.09.2024</a:t>
             </a:fld>
             <a:endParaRPr lang="ru-RU"/>
           </a:p>
@@ -1419,7 +1419,7 @@
           <a:p>
             <a:fld id="{5B8C000A-CDAE-4206-8669-F9120892CD3A}" type="datetimeFigureOut">
               <a:rPr lang="ru-RU" smtClean="0"/>
-              <a:t>10.09.2024</a:t>
+              <a:t>15.09.2024</a:t>
             </a:fld>
             <a:endParaRPr lang="ru-RU"/>
           </a:p>
@@ -1834,7 +1834,7 @@
           <a:p>
             <a:fld id="{5B8C000A-CDAE-4206-8669-F9120892CD3A}" type="datetimeFigureOut">
               <a:rPr lang="ru-RU" smtClean="0"/>
-              <a:t>10.09.2024</a:t>
+              <a:t>15.09.2024</a:t>
             </a:fld>
             <a:endParaRPr lang="ru-RU"/>
           </a:p>
@@ -1976,7 +1976,7 @@
           <a:p>
             <a:fld id="{5B8C000A-CDAE-4206-8669-F9120892CD3A}" type="datetimeFigureOut">
               <a:rPr lang="ru-RU" smtClean="0"/>
-              <a:t>10.09.2024</a:t>
+              <a:t>15.09.2024</a:t>
             </a:fld>
             <a:endParaRPr lang="ru-RU"/>
           </a:p>
@@ -2089,7 +2089,7 @@
           <a:p>
             <a:fld id="{5B8C000A-CDAE-4206-8669-F9120892CD3A}" type="datetimeFigureOut">
               <a:rPr lang="ru-RU" smtClean="0"/>
-              <a:t>10.09.2024</a:t>
+              <a:t>15.09.2024</a:t>
             </a:fld>
             <a:endParaRPr lang="ru-RU"/>
           </a:p>
@@ -2402,7 +2402,7 @@
           <a:p>
             <a:fld id="{5B8C000A-CDAE-4206-8669-F9120892CD3A}" type="datetimeFigureOut">
               <a:rPr lang="ru-RU" smtClean="0"/>
-              <a:t>10.09.2024</a:t>
+              <a:t>15.09.2024</a:t>
             </a:fld>
             <a:endParaRPr lang="ru-RU"/>
           </a:p>
@@ -2691,7 +2691,7 @@
           <a:p>
             <a:fld id="{5B8C000A-CDAE-4206-8669-F9120892CD3A}" type="datetimeFigureOut">
               <a:rPr lang="ru-RU" smtClean="0"/>
-              <a:t>10.09.2024</a:t>
+              <a:t>15.09.2024</a:t>
             </a:fld>
             <a:endParaRPr lang="ru-RU"/>
           </a:p>
@@ -2934,7 +2934,7 @@
           <a:p>
             <a:fld id="{5B8C000A-CDAE-4206-8669-F9120892CD3A}" type="datetimeFigureOut">
               <a:rPr lang="ru-RU" smtClean="0"/>
-              <a:t>10.09.2024</a:t>
+              <a:t>15.09.2024</a:t>
             </a:fld>
             <a:endParaRPr lang="ru-RU"/>
           </a:p>
@@ -3537,39 +3537,66 @@
           </a:p>
         </p:txBody>
       </p:sp>
+      <p:sp>
+        <p:nvSpPr>
+          <p:cNvPr id="4" name="Content Placeholder 3">
+            <a:extLst>
+              <a:ext uri="{FF2B5EF4-FFF2-40B4-BE49-F238E27FC236}">
+                <a16:creationId xmlns:a16="http://schemas.microsoft.com/office/drawing/2014/main" id="{364371F3-3963-17AA-102F-620DFD4EE569}"/>
+              </a:ext>
+            </a:extLst>
+          </p:cNvPr>
+          <p:cNvSpPr>
+            <a:spLocks noGrp="1"/>
+          </p:cNvSpPr>
+          <p:nvPr>
+            <p:ph idx="1"/>
+          </p:nvPr>
+        </p:nvSpPr>
+        <p:spPr>
+          <a:xfrm>
+            <a:off x="3379808" y="5879939"/>
+            <a:ext cx="7973992" cy="297024"/>
+          </a:xfrm>
+        </p:spPr>
+        <p:txBody>
+          <a:bodyPr>
+            <a:normAutofit fontScale="62500" lnSpcReduction="20000"/>
+          </a:bodyPr>
+          <a:lstStyle/>
+          <a:p>
+            <a:endParaRPr lang="en-RU" dirty="0"/>
+          </a:p>
+        </p:txBody>
+      </p:sp>
       <p:pic>
         <p:nvPicPr>
-          <p:cNvPr id="16" name="Content Placeholder 15">
-            <a:extLst>
-              <a:ext uri="{FF2B5EF4-FFF2-40B4-BE49-F238E27FC236}">
-                <a16:creationId xmlns:a16="http://schemas.microsoft.com/office/drawing/2014/main" id="{82FFA690-F166-973C-E5B0-9B515065E40D}"/>
+          <p:cNvPr id="5" name="Picture 4">
+            <a:extLst>
+              <a:ext uri="{FF2B5EF4-FFF2-40B4-BE49-F238E27FC236}">
+                <a16:creationId xmlns:a16="http://schemas.microsoft.com/office/drawing/2014/main" id="{BCC5482C-AED4-FBEA-80A4-37910EEF1BE7}"/>
               </a:ext>
             </a:extLst>
           </p:cNvPr>
           <p:cNvPicPr>
-            <a:picLocks noGrp="1" noChangeAspect="1"/>
+            <a:picLocks noChangeAspect="1"/>
           </p:cNvPicPr>
-          <p:nvPr>
-            <p:ph idx="1"/>
-          </p:nvPr>
+          <p:nvPr/>
         </p:nvPicPr>
         <p:blipFill>
-          <a:blip r:embed="rId2">
-            <a:extLst>
-              <a:ext uri="{28A0092B-C50C-407E-A947-70E740481C1C}">
-                <a14:useLocalDpi xmlns:a14="http://schemas.microsoft.com/office/drawing/2010/main" val="0"/>
-              </a:ext>
-            </a:extLst>
-          </a:blip>
+          <a:blip r:embed="rId2"/>
           <a:stretch>
             <a:fillRect/>
           </a:stretch>
         </p:blipFill>
         <p:spPr>
           <a:xfrm>
-            <a:off x="5302058" y="902759"/>
-            <a:ext cx="6329218" cy="4351338"/>
+            <a:off x="5158192" y="861191"/>
+            <a:ext cx="6421313" cy="4440015"/>
           </a:xfrm>
+          <a:prstGeom prst="rect">
+            <a:avLst/>
+          </a:prstGeom>
         </p:spPr>
       </p:pic>
     </p:spTree>
@@ -3645,39 +3672,66 @@
           </a:p>
         </p:txBody>
       </p:sp>
+      <p:sp>
+        <p:nvSpPr>
+          <p:cNvPr id="4" name="Content Placeholder 3">
+            <a:extLst>
+              <a:ext uri="{FF2B5EF4-FFF2-40B4-BE49-F238E27FC236}">
+                <a16:creationId xmlns:a16="http://schemas.microsoft.com/office/drawing/2014/main" id="{6EC2DD40-7E8A-CFAB-B4FC-44280382CF51}"/>
+              </a:ext>
+            </a:extLst>
+          </p:cNvPr>
+          <p:cNvSpPr>
+            <a:spLocks noGrp="1"/>
+          </p:cNvSpPr>
+          <p:nvPr>
+            <p:ph idx="1"/>
+          </p:nvPr>
+        </p:nvSpPr>
+        <p:spPr>
+          <a:xfrm>
+            <a:off x="3634451" y="6076709"/>
+            <a:ext cx="7719348" cy="100253"/>
+          </a:xfrm>
+        </p:spPr>
+        <p:txBody>
+          <a:bodyPr>
+            <a:normAutofit fontScale="25000" lnSpcReduction="20000"/>
+          </a:bodyPr>
+          <a:lstStyle/>
+          <a:p>
+            <a:endParaRPr lang="en-RU" dirty="0"/>
+          </a:p>
+        </p:txBody>
+      </p:sp>
       <p:pic>
         <p:nvPicPr>
-          <p:cNvPr id="5" name="Content Placeholder 4">
-            <a:extLst>
-              <a:ext uri="{FF2B5EF4-FFF2-40B4-BE49-F238E27FC236}">
-                <a16:creationId xmlns:a16="http://schemas.microsoft.com/office/drawing/2014/main" id="{1B6954D5-BF06-44B7-3185-9E159CCA7C9F}"/>
+          <p:cNvPr id="6" name="Picture 5">
+            <a:extLst>
+              <a:ext uri="{FF2B5EF4-FFF2-40B4-BE49-F238E27FC236}">
+                <a16:creationId xmlns:a16="http://schemas.microsoft.com/office/drawing/2014/main" id="{3CB3159A-2F03-4D58-57D0-7683661E3E91}"/>
               </a:ext>
             </a:extLst>
           </p:cNvPr>
           <p:cNvPicPr>
-            <a:picLocks noGrp="1" noChangeAspect="1"/>
+            <a:picLocks noChangeAspect="1"/>
           </p:cNvPicPr>
-          <p:nvPr>
-            <p:ph idx="1"/>
-          </p:nvPr>
+          <p:nvPr/>
         </p:nvPicPr>
         <p:blipFill>
-          <a:blip r:embed="rId2">
-            <a:extLst>
-              <a:ext uri="{28A0092B-C50C-407E-A947-70E740481C1C}">
-                <a14:useLocalDpi xmlns:a14="http://schemas.microsoft.com/office/drawing/2010/main" val="0"/>
-              </a:ext>
-            </a:extLst>
-          </a:blip>
+          <a:blip r:embed="rId2"/>
           <a:stretch>
             <a:fillRect/>
           </a:stretch>
         </p:blipFill>
         <p:spPr>
           <a:xfrm>
-            <a:off x="5552545" y="1027408"/>
-            <a:ext cx="5808474" cy="3993325"/>
+            <a:off x="5021670" y="905011"/>
+            <a:ext cx="6557836" cy="4534414"/>
           </a:xfrm>
+          <a:prstGeom prst="rect">
+            <a:avLst/>
+          </a:prstGeom>
         </p:spPr>
       </p:pic>
     </p:spTree>
@@ -3753,39 +3807,66 @@
           </a:p>
         </p:txBody>
       </p:sp>
+      <p:sp>
+        <p:nvSpPr>
+          <p:cNvPr id="4" name="Content Placeholder 3">
+            <a:extLst>
+              <a:ext uri="{FF2B5EF4-FFF2-40B4-BE49-F238E27FC236}">
+                <a16:creationId xmlns:a16="http://schemas.microsoft.com/office/drawing/2014/main" id="{500EE55A-1D9A-B563-CA0F-65A885C8D312}"/>
+              </a:ext>
+            </a:extLst>
+          </p:cNvPr>
+          <p:cNvSpPr>
+            <a:spLocks noGrp="1"/>
+          </p:cNvSpPr>
+          <p:nvPr>
+            <p:ph idx="1"/>
+          </p:nvPr>
+        </p:nvSpPr>
+        <p:spPr>
+          <a:xfrm>
+            <a:off x="2870522" y="5952989"/>
+            <a:ext cx="8483278" cy="223974"/>
+          </a:xfrm>
+        </p:spPr>
+        <p:txBody>
+          <a:bodyPr>
+            <a:normAutofit fontScale="40000" lnSpcReduction="20000"/>
+          </a:bodyPr>
+          <a:lstStyle/>
+          <a:p>
+            <a:endParaRPr lang="en-RU" dirty="0"/>
+          </a:p>
+        </p:txBody>
+      </p:sp>
       <p:pic>
         <p:nvPicPr>
-          <p:cNvPr id="5" name="Content Placeholder 4">
-            <a:extLst>
-              <a:ext uri="{FF2B5EF4-FFF2-40B4-BE49-F238E27FC236}">
-                <a16:creationId xmlns:a16="http://schemas.microsoft.com/office/drawing/2014/main" id="{DEAAF6D3-44D4-6F7B-CD8F-D8607A09FEC6}"/>
+          <p:cNvPr id="6" name="Picture 5">
+            <a:extLst>
+              <a:ext uri="{FF2B5EF4-FFF2-40B4-BE49-F238E27FC236}">
+                <a16:creationId xmlns:a16="http://schemas.microsoft.com/office/drawing/2014/main" id="{66729737-AAC5-0745-FC27-AAEA345B34AB}"/>
               </a:ext>
             </a:extLst>
           </p:cNvPr>
           <p:cNvPicPr>
-            <a:picLocks noGrp="1" noChangeAspect="1"/>
+            <a:picLocks noChangeAspect="1"/>
           </p:cNvPicPr>
-          <p:nvPr>
-            <p:ph idx="1"/>
-          </p:nvPr>
+          <p:nvPr/>
         </p:nvPicPr>
         <p:blipFill>
-          <a:blip r:embed="rId2">
-            <a:extLst>
-              <a:ext uri="{28A0092B-C50C-407E-A947-70E740481C1C}">
-                <a14:useLocalDpi xmlns:a14="http://schemas.microsoft.com/office/drawing/2010/main" val="0"/>
-              </a:ext>
-            </a:extLst>
-          </a:blip>
+          <a:blip r:embed="rId2"/>
           <a:stretch>
             <a:fillRect/>
           </a:stretch>
         </p:blipFill>
         <p:spPr>
           <a:xfrm>
-            <a:off x="4821521" y="1256290"/>
-            <a:ext cx="6320612" cy="4345419"/>
+            <a:off x="5100419" y="1228024"/>
+            <a:ext cx="5974482" cy="4131054"/>
           </a:xfrm>
+          <a:prstGeom prst="rect">
+            <a:avLst/>
+          </a:prstGeom>
         </p:spPr>
       </p:pic>
     </p:spTree>
